--- a/ppt 16-9/1460.忙忙忙.pptx
+++ b/ppt 16-9/1460.忙忙忙.pptx
@@ -129,7 +129,7 @@
           <p:cNvPr id="2" name="标题 1">
             <a:extLst>
               <a:ext uri="{FF2B5EF4-FFF2-40B4-BE49-F238E27FC236}">
-                <a16:creationId xmlns:a16="http://schemas.microsoft.com/office/drawing/2014/main" id="{5AAEDF04-EDDD-EE36-6F26-34C0FAB486FC}"/>
+                <a16:creationId xmlns:a16="http://schemas.microsoft.com/office/drawing/2014/main" id="{3CD2D711-C860-B930-CDE4-0485FC0AF643}"/>
               </a:ext>
             </a:extLst>
           </p:cNvPr>
@@ -166,7 +166,7 @@
           <p:cNvPr id="3" name="副标题 2">
             <a:extLst>
               <a:ext uri="{FF2B5EF4-FFF2-40B4-BE49-F238E27FC236}">
-                <a16:creationId xmlns:a16="http://schemas.microsoft.com/office/drawing/2014/main" id="{277EF7DD-E07C-6D0D-2D6D-EB3C4663D018}"/>
+                <a16:creationId xmlns:a16="http://schemas.microsoft.com/office/drawing/2014/main" id="{6B3899B8-CA0E-B7A6-C619-C4E1D9DD35B6}"/>
               </a:ext>
             </a:extLst>
           </p:cNvPr>
@@ -236,7 +236,7 @@
           <p:cNvPr id="4" name="日期占位符 3">
             <a:extLst>
               <a:ext uri="{FF2B5EF4-FFF2-40B4-BE49-F238E27FC236}">
-                <a16:creationId xmlns:a16="http://schemas.microsoft.com/office/drawing/2014/main" id="{5907CD32-E553-F117-FD1B-36878B76CAD9}"/>
+                <a16:creationId xmlns:a16="http://schemas.microsoft.com/office/drawing/2014/main" id="{FAFF1F90-92B6-950C-551D-4BE6FB75348E}"/>
               </a:ext>
             </a:extLst>
           </p:cNvPr>
@@ -252,7 +252,7 @@
           <a:bodyPr/>
           <a:lstStyle/>
           <a:p>
-            <a:fld id="{E3BAFE10-819B-4C93-AF92-938614B07C16}" type="datetimeFigureOut">
+            <a:fld id="{40EA1AB9-D907-4BE0-B47E-D3EF78457665}" type="datetimeFigureOut">
               <a:rPr lang="zh-CN" altLang="en-US" smtClean="0"/>
               <a:t>2024/3/10</a:t>
             </a:fld>
@@ -265,7 +265,7 @@
           <p:cNvPr id="5" name="页脚占位符 4">
             <a:extLst>
               <a:ext uri="{FF2B5EF4-FFF2-40B4-BE49-F238E27FC236}">
-                <a16:creationId xmlns:a16="http://schemas.microsoft.com/office/drawing/2014/main" id="{5755978B-B3EE-11B7-68B5-04B222D969FC}"/>
+                <a16:creationId xmlns:a16="http://schemas.microsoft.com/office/drawing/2014/main" id="{CAB3EFE1-4099-A7AC-6588-E896B59C0BD3}"/>
               </a:ext>
             </a:extLst>
           </p:cNvPr>
@@ -290,7 +290,7 @@
           <p:cNvPr id="6" name="灯片编号占位符 5">
             <a:extLst>
               <a:ext uri="{FF2B5EF4-FFF2-40B4-BE49-F238E27FC236}">
-                <a16:creationId xmlns:a16="http://schemas.microsoft.com/office/drawing/2014/main" id="{D666A811-70D1-E5CE-A1EE-9473A1C566C5}"/>
+                <a16:creationId xmlns:a16="http://schemas.microsoft.com/office/drawing/2014/main" id="{CD247EFE-2C2E-FC80-F5CB-CD474B4117A1}"/>
               </a:ext>
             </a:extLst>
           </p:cNvPr>
@@ -306,7 +306,7 @@
           <a:bodyPr/>
           <a:lstStyle/>
           <a:p>
-            <a:fld id="{5F9C533F-8BED-4C71-AEA1-61779DE3F552}" type="slidenum">
+            <a:fld id="{2D196957-601F-45A1-930A-DDD4461CD5C4}" type="slidenum">
               <a:rPr lang="zh-CN" altLang="en-US" smtClean="0"/>
               <a:t>‹#›</a:t>
             </a:fld>
@@ -317,7 +317,7 @@
     </p:spTree>
     <p:extLst>
       <p:ext uri="{BB962C8B-B14F-4D97-AF65-F5344CB8AC3E}">
-        <p14:creationId xmlns:p14="http://schemas.microsoft.com/office/powerpoint/2010/main" val="2352642558"/>
+        <p14:creationId xmlns:p14="http://schemas.microsoft.com/office/powerpoint/2010/main" val="1450757948"/>
       </p:ext>
     </p:extLst>
   </p:cSld>
@@ -349,7 +349,7 @@
           <p:cNvPr id="2" name="标题 1">
             <a:extLst>
               <a:ext uri="{FF2B5EF4-FFF2-40B4-BE49-F238E27FC236}">
-                <a16:creationId xmlns:a16="http://schemas.microsoft.com/office/drawing/2014/main" id="{F1563784-C5F6-ECF4-15F3-CA8CDED8AB9B}"/>
+                <a16:creationId xmlns:a16="http://schemas.microsoft.com/office/drawing/2014/main" id="{15DC8A8D-85F8-8665-9AB0-89E040AE46FB}"/>
               </a:ext>
             </a:extLst>
           </p:cNvPr>
@@ -377,7 +377,7 @@
           <p:cNvPr id="3" name="竖排文字占位符 2">
             <a:extLst>
               <a:ext uri="{FF2B5EF4-FFF2-40B4-BE49-F238E27FC236}">
-                <a16:creationId xmlns:a16="http://schemas.microsoft.com/office/drawing/2014/main" id="{07358D76-87C3-63C8-88F8-60587125D640}"/>
+                <a16:creationId xmlns:a16="http://schemas.microsoft.com/office/drawing/2014/main" id="{1C993337-A4FD-D216-5EAA-9E1B4D441C13}"/>
               </a:ext>
             </a:extLst>
           </p:cNvPr>
@@ -434,7 +434,7 @@
           <p:cNvPr id="4" name="日期占位符 3">
             <a:extLst>
               <a:ext uri="{FF2B5EF4-FFF2-40B4-BE49-F238E27FC236}">
-                <a16:creationId xmlns:a16="http://schemas.microsoft.com/office/drawing/2014/main" id="{986AD4D4-48C2-86B3-0DF7-357C1B42D43A}"/>
+                <a16:creationId xmlns:a16="http://schemas.microsoft.com/office/drawing/2014/main" id="{D5CAE249-4B84-3F9D-CEDC-7DEADC9E1719}"/>
               </a:ext>
             </a:extLst>
           </p:cNvPr>
@@ -450,7 +450,7 @@
           <a:bodyPr/>
           <a:lstStyle/>
           <a:p>
-            <a:fld id="{E3BAFE10-819B-4C93-AF92-938614B07C16}" type="datetimeFigureOut">
+            <a:fld id="{40EA1AB9-D907-4BE0-B47E-D3EF78457665}" type="datetimeFigureOut">
               <a:rPr lang="zh-CN" altLang="en-US" smtClean="0"/>
               <a:t>2024/3/10</a:t>
             </a:fld>
@@ -463,7 +463,7 @@
           <p:cNvPr id="5" name="页脚占位符 4">
             <a:extLst>
               <a:ext uri="{FF2B5EF4-FFF2-40B4-BE49-F238E27FC236}">
-                <a16:creationId xmlns:a16="http://schemas.microsoft.com/office/drawing/2014/main" id="{87E6346B-6F43-4AB7-FEBB-587F55E9D48C}"/>
+                <a16:creationId xmlns:a16="http://schemas.microsoft.com/office/drawing/2014/main" id="{D5B7980D-13EC-9DBF-B054-FD30FB957875}"/>
               </a:ext>
             </a:extLst>
           </p:cNvPr>
@@ -488,7 +488,7 @@
           <p:cNvPr id="6" name="灯片编号占位符 5">
             <a:extLst>
               <a:ext uri="{FF2B5EF4-FFF2-40B4-BE49-F238E27FC236}">
-                <a16:creationId xmlns:a16="http://schemas.microsoft.com/office/drawing/2014/main" id="{1CCDFF4A-2ADA-EE0A-C222-2C57880D8BE1}"/>
+                <a16:creationId xmlns:a16="http://schemas.microsoft.com/office/drawing/2014/main" id="{C208476C-242F-071C-2F93-725BB028A1A9}"/>
               </a:ext>
             </a:extLst>
           </p:cNvPr>
@@ -504,7 +504,7 @@
           <a:bodyPr/>
           <a:lstStyle/>
           <a:p>
-            <a:fld id="{5F9C533F-8BED-4C71-AEA1-61779DE3F552}" type="slidenum">
+            <a:fld id="{2D196957-601F-45A1-930A-DDD4461CD5C4}" type="slidenum">
               <a:rPr lang="zh-CN" altLang="en-US" smtClean="0"/>
               <a:t>‹#›</a:t>
             </a:fld>
@@ -515,7 +515,7 @@
     </p:spTree>
     <p:extLst>
       <p:ext uri="{BB962C8B-B14F-4D97-AF65-F5344CB8AC3E}">
-        <p14:creationId xmlns:p14="http://schemas.microsoft.com/office/powerpoint/2010/main" val="3423471996"/>
+        <p14:creationId xmlns:p14="http://schemas.microsoft.com/office/powerpoint/2010/main" val="3356286758"/>
       </p:ext>
     </p:extLst>
   </p:cSld>
@@ -547,7 +547,7 @@
           <p:cNvPr id="2" name="竖排标题 1">
             <a:extLst>
               <a:ext uri="{FF2B5EF4-FFF2-40B4-BE49-F238E27FC236}">
-                <a16:creationId xmlns:a16="http://schemas.microsoft.com/office/drawing/2014/main" id="{0405C7ED-D4BE-D20A-9F7E-6CD0B995A3BD}"/>
+                <a16:creationId xmlns:a16="http://schemas.microsoft.com/office/drawing/2014/main" id="{4C795ACD-82AF-B36F-DF8B-3BB7A09D56CC}"/>
               </a:ext>
             </a:extLst>
           </p:cNvPr>
@@ -580,7 +580,7 @@
           <p:cNvPr id="3" name="竖排文字占位符 2">
             <a:extLst>
               <a:ext uri="{FF2B5EF4-FFF2-40B4-BE49-F238E27FC236}">
-                <a16:creationId xmlns:a16="http://schemas.microsoft.com/office/drawing/2014/main" id="{B263C97B-50E7-60F7-6815-85810E8543DB}"/>
+                <a16:creationId xmlns:a16="http://schemas.microsoft.com/office/drawing/2014/main" id="{53803007-59D2-94B4-1E05-AB7E9CD4A333}"/>
               </a:ext>
             </a:extLst>
           </p:cNvPr>
@@ -642,7 +642,7 @@
           <p:cNvPr id="4" name="日期占位符 3">
             <a:extLst>
               <a:ext uri="{FF2B5EF4-FFF2-40B4-BE49-F238E27FC236}">
-                <a16:creationId xmlns:a16="http://schemas.microsoft.com/office/drawing/2014/main" id="{190EEF6A-3964-BF5A-E5D1-8C6CDD3B38BF}"/>
+                <a16:creationId xmlns:a16="http://schemas.microsoft.com/office/drawing/2014/main" id="{A961415E-5DB1-542F-A947-B665462ED838}"/>
               </a:ext>
             </a:extLst>
           </p:cNvPr>
@@ -658,7 +658,7 @@
           <a:bodyPr/>
           <a:lstStyle/>
           <a:p>
-            <a:fld id="{E3BAFE10-819B-4C93-AF92-938614B07C16}" type="datetimeFigureOut">
+            <a:fld id="{40EA1AB9-D907-4BE0-B47E-D3EF78457665}" type="datetimeFigureOut">
               <a:rPr lang="zh-CN" altLang="en-US" smtClean="0"/>
               <a:t>2024/3/10</a:t>
             </a:fld>
@@ -671,7 +671,7 @@
           <p:cNvPr id="5" name="页脚占位符 4">
             <a:extLst>
               <a:ext uri="{FF2B5EF4-FFF2-40B4-BE49-F238E27FC236}">
-                <a16:creationId xmlns:a16="http://schemas.microsoft.com/office/drawing/2014/main" id="{8D16C5DF-B842-D594-3202-615268ED4E4A}"/>
+                <a16:creationId xmlns:a16="http://schemas.microsoft.com/office/drawing/2014/main" id="{9E81B03D-C589-B8CA-DBDB-FA56F6A6A4EB}"/>
               </a:ext>
             </a:extLst>
           </p:cNvPr>
@@ -696,7 +696,7 @@
           <p:cNvPr id="6" name="灯片编号占位符 5">
             <a:extLst>
               <a:ext uri="{FF2B5EF4-FFF2-40B4-BE49-F238E27FC236}">
-                <a16:creationId xmlns:a16="http://schemas.microsoft.com/office/drawing/2014/main" id="{8199C447-171D-9D60-80C3-2F7A8A83061B}"/>
+                <a16:creationId xmlns:a16="http://schemas.microsoft.com/office/drawing/2014/main" id="{E118EFAA-DBD6-F4D6-A166-B633A818CBA0}"/>
               </a:ext>
             </a:extLst>
           </p:cNvPr>
@@ -712,7 +712,7 @@
           <a:bodyPr/>
           <a:lstStyle/>
           <a:p>
-            <a:fld id="{5F9C533F-8BED-4C71-AEA1-61779DE3F552}" type="slidenum">
+            <a:fld id="{2D196957-601F-45A1-930A-DDD4461CD5C4}" type="slidenum">
               <a:rPr lang="zh-CN" altLang="en-US" smtClean="0"/>
               <a:t>‹#›</a:t>
             </a:fld>
@@ -723,7 +723,7 @@
     </p:spTree>
     <p:extLst>
       <p:ext uri="{BB962C8B-B14F-4D97-AF65-F5344CB8AC3E}">
-        <p14:creationId xmlns:p14="http://schemas.microsoft.com/office/powerpoint/2010/main" val="1294120444"/>
+        <p14:creationId xmlns:p14="http://schemas.microsoft.com/office/powerpoint/2010/main" val="3434367164"/>
       </p:ext>
     </p:extLst>
   </p:cSld>
@@ -755,7 +755,7 @@
           <p:cNvPr id="2" name="标题 1">
             <a:extLst>
               <a:ext uri="{FF2B5EF4-FFF2-40B4-BE49-F238E27FC236}">
-                <a16:creationId xmlns:a16="http://schemas.microsoft.com/office/drawing/2014/main" id="{71E0ED66-360B-9082-76E4-4E34DEA66C4A}"/>
+                <a16:creationId xmlns:a16="http://schemas.microsoft.com/office/drawing/2014/main" id="{8A86BD25-D410-C360-DCE5-A7D12BC7032E}"/>
               </a:ext>
             </a:extLst>
           </p:cNvPr>
@@ -783,7 +783,7 @@
           <p:cNvPr id="3" name="内容占位符 2">
             <a:extLst>
               <a:ext uri="{FF2B5EF4-FFF2-40B4-BE49-F238E27FC236}">
-                <a16:creationId xmlns:a16="http://schemas.microsoft.com/office/drawing/2014/main" id="{7BC50EB0-BDA8-6CF9-40C3-F4708F4DCDFE}"/>
+                <a16:creationId xmlns:a16="http://schemas.microsoft.com/office/drawing/2014/main" id="{0C9BC5FA-8DD6-A9AB-5D3D-810E099903D4}"/>
               </a:ext>
             </a:extLst>
           </p:cNvPr>
@@ -840,7 +840,7 @@
           <p:cNvPr id="4" name="日期占位符 3">
             <a:extLst>
               <a:ext uri="{FF2B5EF4-FFF2-40B4-BE49-F238E27FC236}">
-                <a16:creationId xmlns:a16="http://schemas.microsoft.com/office/drawing/2014/main" id="{BA352304-D97D-BD8C-C22F-EF708E02E39F}"/>
+                <a16:creationId xmlns:a16="http://schemas.microsoft.com/office/drawing/2014/main" id="{0144520E-7866-FFFE-7F90-97D2564D3254}"/>
               </a:ext>
             </a:extLst>
           </p:cNvPr>
@@ -856,7 +856,7 @@
           <a:bodyPr/>
           <a:lstStyle/>
           <a:p>
-            <a:fld id="{E3BAFE10-819B-4C93-AF92-938614B07C16}" type="datetimeFigureOut">
+            <a:fld id="{40EA1AB9-D907-4BE0-B47E-D3EF78457665}" type="datetimeFigureOut">
               <a:rPr lang="zh-CN" altLang="en-US" smtClean="0"/>
               <a:t>2024/3/10</a:t>
             </a:fld>
@@ -869,7 +869,7 @@
           <p:cNvPr id="5" name="页脚占位符 4">
             <a:extLst>
               <a:ext uri="{FF2B5EF4-FFF2-40B4-BE49-F238E27FC236}">
-                <a16:creationId xmlns:a16="http://schemas.microsoft.com/office/drawing/2014/main" id="{3B7B3ED2-7805-C00E-7333-565FC27B964C}"/>
+                <a16:creationId xmlns:a16="http://schemas.microsoft.com/office/drawing/2014/main" id="{F4061760-3191-574A-931B-2E544AE78DF4}"/>
               </a:ext>
             </a:extLst>
           </p:cNvPr>
@@ -894,7 +894,7 @@
           <p:cNvPr id="6" name="灯片编号占位符 5">
             <a:extLst>
               <a:ext uri="{FF2B5EF4-FFF2-40B4-BE49-F238E27FC236}">
-                <a16:creationId xmlns:a16="http://schemas.microsoft.com/office/drawing/2014/main" id="{D768065D-EA5A-820C-BA88-C6911045F6A7}"/>
+                <a16:creationId xmlns:a16="http://schemas.microsoft.com/office/drawing/2014/main" id="{FA6D0BFA-C29D-14C1-9B00-90A08E4302D3}"/>
               </a:ext>
             </a:extLst>
           </p:cNvPr>
@@ -910,7 +910,7 @@
           <a:bodyPr/>
           <a:lstStyle/>
           <a:p>
-            <a:fld id="{5F9C533F-8BED-4C71-AEA1-61779DE3F552}" type="slidenum">
+            <a:fld id="{2D196957-601F-45A1-930A-DDD4461CD5C4}" type="slidenum">
               <a:rPr lang="zh-CN" altLang="en-US" smtClean="0"/>
               <a:t>‹#›</a:t>
             </a:fld>
@@ -921,7 +921,7 @@
     </p:spTree>
     <p:extLst>
       <p:ext uri="{BB962C8B-B14F-4D97-AF65-F5344CB8AC3E}">
-        <p14:creationId xmlns:p14="http://schemas.microsoft.com/office/powerpoint/2010/main" val="2815076788"/>
+        <p14:creationId xmlns:p14="http://schemas.microsoft.com/office/powerpoint/2010/main" val="2895472078"/>
       </p:ext>
     </p:extLst>
   </p:cSld>
@@ -953,7 +953,7 @@
           <p:cNvPr id="2" name="标题 1">
             <a:extLst>
               <a:ext uri="{FF2B5EF4-FFF2-40B4-BE49-F238E27FC236}">
-                <a16:creationId xmlns:a16="http://schemas.microsoft.com/office/drawing/2014/main" id="{3EB223C3-7B54-1396-73F0-08930EA81BDA}"/>
+                <a16:creationId xmlns:a16="http://schemas.microsoft.com/office/drawing/2014/main" id="{5126AFD2-346D-4463-56B1-D3A1797D6AC0}"/>
               </a:ext>
             </a:extLst>
           </p:cNvPr>
@@ -990,7 +990,7 @@
           <p:cNvPr id="3" name="文本占位符 2">
             <a:extLst>
               <a:ext uri="{FF2B5EF4-FFF2-40B4-BE49-F238E27FC236}">
-                <a16:creationId xmlns:a16="http://schemas.microsoft.com/office/drawing/2014/main" id="{677171F6-6367-0371-F27D-6790B5695CB4}"/>
+                <a16:creationId xmlns:a16="http://schemas.microsoft.com/office/drawing/2014/main" id="{6977BDF8-1238-6548-1CCB-D4C7FB2A3855}"/>
               </a:ext>
             </a:extLst>
           </p:cNvPr>
@@ -1115,7 +1115,7 @@
           <p:cNvPr id="4" name="日期占位符 3">
             <a:extLst>
               <a:ext uri="{FF2B5EF4-FFF2-40B4-BE49-F238E27FC236}">
-                <a16:creationId xmlns:a16="http://schemas.microsoft.com/office/drawing/2014/main" id="{E73531F3-CE4A-D58D-79CD-0A5114F56BF1}"/>
+                <a16:creationId xmlns:a16="http://schemas.microsoft.com/office/drawing/2014/main" id="{4A42E3D3-4BD2-617E-E1D6-3D470F07F434}"/>
               </a:ext>
             </a:extLst>
           </p:cNvPr>
@@ -1131,7 +1131,7 @@
           <a:bodyPr/>
           <a:lstStyle/>
           <a:p>
-            <a:fld id="{E3BAFE10-819B-4C93-AF92-938614B07C16}" type="datetimeFigureOut">
+            <a:fld id="{40EA1AB9-D907-4BE0-B47E-D3EF78457665}" type="datetimeFigureOut">
               <a:rPr lang="zh-CN" altLang="en-US" smtClean="0"/>
               <a:t>2024/3/10</a:t>
             </a:fld>
@@ -1144,7 +1144,7 @@
           <p:cNvPr id="5" name="页脚占位符 4">
             <a:extLst>
               <a:ext uri="{FF2B5EF4-FFF2-40B4-BE49-F238E27FC236}">
-                <a16:creationId xmlns:a16="http://schemas.microsoft.com/office/drawing/2014/main" id="{179E5E34-2EA9-8FA2-F386-D18EF4BB3B11}"/>
+                <a16:creationId xmlns:a16="http://schemas.microsoft.com/office/drawing/2014/main" id="{4059BB45-0EA8-FFCA-1E69-D9F85BBF4DDB}"/>
               </a:ext>
             </a:extLst>
           </p:cNvPr>
@@ -1169,7 +1169,7 @@
           <p:cNvPr id="6" name="灯片编号占位符 5">
             <a:extLst>
               <a:ext uri="{FF2B5EF4-FFF2-40B4-BE49-F238E27FC236}">
-                <a16:creationId xmlns:a16="http://schemas.microsoft.com/office/drawing/2014/main" id="{B210102A-3FFD-D59F-7AB2-E3AC42471102}"/>
+                <a16:creationId xmlns:a16="http://schemas.microsoft.com/office/drawing/2014/main" id="{5B2675B2-4F62-96CF-275E-816BF9CE0127}"/>
               </a:ext>
             </a:extLst>
           </p:cNvPr>
@@ -1185,7 +1185,7 @@
           <a:bodyPr/>
           <a:lstStyle/>
           <a:p>
-            <a:fld id="{5F9C533F-8BED-4C71-AEA1-61779DE3F552}" type="slidenum">
+            <a:fld id="{2D196957-601F-45A1-930A-DDD4461CD5C4}" type="slidenum">
               <a:rPr lang="zh-CN" altLang="en-US" smtClean="0"/>
               <a:t>‹#›</a:t>
             </a:fld>
@@ -1196,7 +1196,7 @@
     </p:spTree>
     <p:extLst>
       <p:ext uri="{BB962C8B-B14F-4D97-AF65-F5344CB8AC3E}">
-        <p14:creationId xmlns:p14="http://schemas.microsoft.com/office/powerpoint/2010/main" val="981221414"/>
+        <p14:creationId xmlns:p14="http://schemas.microsoft.com/office/powerpoint/2010/main" val="2383773224"/>
       </p:ext>
     </p:extLst>
   </p:cSld>
@@ -1228,7 +1228,7 @@
           <p:cNvPr id="2" name="标题 1">
             <a:extLst>
               <a:ext uri="{FF2B5EF4-FFF2-40B4-BE49-F238E27FC236}">
-                <a16:creationId xmlns:a16="http://schemas.microsoft.com/office/drawing/2014/main" id="{B7548D04-37A0-1267-2993-46D90E7D92B8}"/>
+                <a16:creationId xmlns:a16="http://schemas.microsoft.com/office/drawing/2014/main" id="{9DE62137-4C57-038D-B8FB-934A12AF5C60}"/>
               </a:ext>
             </a:extLst>
           </p:cNvPr>
@@ -1256,7 +1256,7 @@
           <p:cNvPr id="3" name="内容占位符 2">
             <a:extLst>
               <a:ext uri="{FF2B5EF4-FFF2-40B4-BE49-F238E27FC236}">
-                <a16:creationId xmlns:a16="http://schemas.microsoft.com/office/drawing/2014/main" id="{489B9C22-5499-0C66-8B59-60AB546746C5}"/>
+                <a16:creationId xmlns:a16="http://schemas.microsoft.com/office/drawing/2014/main" id="{1FC4E231-7D6D-99E3-37AB-6046954AA85F}"/>
               </a:ext>
             </a:extLst>
           </p:cNvPr>
@@ -1318,7 +1318,7 @@
           <p:cNvPr id="4" name="内容占位符 3">
             <a:extLst>
               <a:ext uri="{FF2B5EF4-FFF2-40B4-BE49-F238E27FC236}">
-                <a16:creationId xmlns:a16="http://schemas.microsoft.com/office/drawing/2014/main" id="{6B26DD10-6D3C-8322-2920-D7620045ABE7}"/>
+                <a16:creationId xmlns:a16="http://schemas.microsoft.com/office/drawing/2014/main" id="{0DDF2E31-479E-7A36-B3EF-63BD45A5D056}"/>
               </a:ext>
             </a:extLst>
           </p:cNvPr>
@@ -1380,7 +1380,7 @@
           <p:cNvPr id="5" name="日期占位符 4">
             <a:extLst>
               <a:ext uri="{FF2B5EF4-FFF2-40B4-BE49-F238E27FC236}">
-                <a16:creationId xmlns:a16="http://schemas.microsoft.com/office/drawing/2014/main" id="{1CCDC9DC-3536-885B-B76C-831B6ABA4440}"/>
+                <a16:creationId xmlns:a16="http://schemas.microsoft.com/office/drawing/2014/main" id="{FB2B37D9-9B38-1065-0B84-1D2CC866A9E2}"/>
               </a:ext>
             </a:extLst>
           </p:cNvPr>
@@ -1396,7 +1396,7 @@
           <a:bodyPr/>
           <a:lstStyle/>
           <a:p>
-            <a:fld id="{E3BAFE10-819B-4C93-AF92-938614B07C16}" type="datetimeFigureOut">
+            <a:fld id="{40EA1AB9-D907-4BE0-B47E-D3EF78457665}" type="datetimeFigureOut">
               <a:rPr lang="zh-CN" altLang="en-US" smtClean="0"/>
               <a:t>2024/3/10</a:t>
             </a:fld>
@@ -1409,7 +1409,7 @@
           <p:cNvPr id="6" name="页脚占位符 5">
             <a:extLst>
               <a:ext uri="{FF2B5EF4-FFF2-40B4-BE49-F238E27FC236}">
-                <a16:creationId xmlns:a16="http://schemas.microsoft.com/office/drawing/2014/main" id="{2EB007BC-318A-8FE5-90EE-715D2845C718}"/>
+                <a16:creationId xmlns:a16="http://schemas.microsoft.com/office/drawing/2014/main" id="{CE3E928E-1285-3811-5035-5406053E503B}"/>
               </a:ext>
             </a:extLst>
           </p:cNvPr>
@@ -1434,7 +1434,7 @@
           <p:cNvPr id="7" name="灯片编号占位符 6">
             <a:extLst>
               <a:ext uri="{FF2B5EF4-FFF2-40B4-BE49-F238E27FC236}">
-                <a16:creationId xmlns:a16="http://schemas.microsoft.com/office/drawing/2014/main" id="{A95B4E17-10DB-C935-BC28-7D242DD57AAE}"/>
+                <a16:creationId xmlns:a16="http://schemas.microsoft.com/office/drawing/2014/main" id="{B0B8AE6A-DFDF-2D0F-1B35-80769541C359}"/>
               </a:ext>
             </a:extLst>
           </p:cNvPr>
@@ -1450,7 +1450,7 @@
           <a:bodyPr/>
           <a:lstStyle/>
           <a:p>
-            <a:fld id="{5F9C533F-8BED-4C71-AEA1-61779DE3F552}" type="slidenum">
+            <a:fld id="{2D196957-601F-45A1-930A-DDD4461CD5C4}" type="slidenum">
               <a:rPr lang="zh-CN" altLang="en-US" smtClean="0"/>
               <a:t>‹#›</a:t>
             </a:fld>
@@ -1461,7 +1461,7 @@
     </p:spTree>
     <p:extLst>
       <p:ext uri="{BB962C8B-B14F-4D97-AF65-F5344CB8AC3E}">
-        <p14:creationId xmlns:p14="http://schemas.microsoft.com/office/powerpoint/2010/main" val="2757361576"/>
+        <p14:creationId xmlns:p14="http://schemas.microsoft.com/office/powerpoint/2010/main" val="1999464874"/>
       </p:ext>
     </p:extLst>
   </p:cSld>
@@ -1493,7 +1493,7 @@
           <p:cNvPr id="2" name="标题 1">
             <a:extLst>
               <a:ext uri="{FF2B5EF4-FFF2-40B4-BE49-F238E27FC236}">
-                <a16:creationId xmlns:a16="http://schemas.microsoft.com/office/drawing/2014/main" id="{C0C0DB13-8859-01FF-2932-20BC796078B7}"/>
+                <a16:creationId xmlns:a16="http://schemas.microsoft.com/office/drawing/2014/main" id="{2078E45F-FC6E-79AC-C13C-84D8681E7CC7}"/>
               </a:ext>
             </a:extLst>
           </p:cNvPr>
@@ -1526,7 +1526,7 @@
           <p:cNvPr id="3" name="文本占位符 2">
             <a:extLst>
               <a:ext uri="{FF2B5EF4-FFF2-40B4-BE49-F238E27FC236}">
-                <a16:creationId xmlns:a16="http://schemas.microsoft.com/office/drawing/2014/main" id="{FBF5C53F-03C4-89C4-26A2-25C5864801B0}"/>
+                <a16:creationId xmlns:a16="http://schemas.microsoft.com/office/drawing/2014/main" id="{FBD7561C-1104-E6A2-A9A2-91DB9DF54A92}"/>
               </a:ext>
             </a:extLst>
           </p:cNvPr>
@@ -1597,7 +1597,7 @@
           <p:cNvPr id="4" name="内容占位符 3">
             <a:extLst>
               <a:ext uri="{FF2B5EF4-FFF2-40B4-BE49-F238E27FC236}">
-                <a16:creationId xmlns:a16="http://schemas.microsoft.com/office/drawing/2014/main" id="{EACA4457-94C2-89EE-1374-8418A3516992}"/>
+                <a16:creationId xmlns:a16="http://schemas.microsoft.com/office/drawing/2014/main" id="{BE2BB0EB-D53A-082F-E3E8-6E2B3E629071}"/>
               </a:ext>
             </a:extLst>
           </p:cNvPr>
@@ -1659,7 +1659,7 @@
           <p:cNvPr id="5" name="文本占位符 4">
             <a:extLst>
               <a:ext uri="{FF2B5EF4-FFF2-40B4-BE49-F238E27FC236}">
-                <a16:creationId xmlns:a16="http://schemas.microsoft.com/office/drawing/2014/main" id="{15E74C8C-9CAB-5DB0-44DE-3D8F47D5DB99}"/>
+                <a16:creationId xmlns:a16="http://schemas.microsoft.com/office/drawing/2014/main" id="{E8E34647-75F8-4414-7287-F999F19C17FD}"/>
               </a:ext>
             </a:extLst>
           </p:cNvPr>
@@ -1730,7 +1730,7 @@
           <p:cNvPr id="6" name="内容占位符 5">
             <a:extLst>
               <a:ext uri="{FF2B5EF4-FFF2-40B4-BE49-F238E27FC236}">
-                <a16:creationId xmlns:a16="http://schemas.microsoft.com/office/drawing/2014/main" id="{1001BEAC-C21D-6CB9-685A-07E871BD6B70}"/>
+                <a16:creationId xmlns:a16="http://schemas.microsoft.com/office/drawing/2014/main" id="{6DBD4D92-2BE8-4880-ED08-C693BB95ECF8}"/>
               </a:ext>
             </a:extLst>
           </p:cNvPr>
@@ -1792,7 +1792,7 @@
           <p:cNvPr id="7" name="日期占位符 6">
             <a:extLst>
               <a:ext uri="{FF2B5EF4-FFF2-40B4-BE49-F238E27FC236}">
-                <a16:creationId xmlns:a16="http://schemas.microsoft.com/office/drawing/2014/main" id="{426012FE-0749-92C1-8065-70FECB77B222}"/>
+                <a16:creationId xmlns:a16="http://schemas.microsoft.com/office/drawing/2014/main" id="{E5170AFC-19AA-DFCD-217B-93D105D8DA5A}"/>
               </a:ext>
             </a:extLst>
           </p:cNvPr>
@@ -1808,7 +1808,7 @@
           <a:bodyPr/>
           <a:lstStyle/>
           <a:p>
-            <a:fld id="{E3BAFE10-819B-4C93-AF92-938614B07C16}" type="datetimeFigureOut">
+            <a:fld id="{40EA1AB9-D907-4BE0-B47E-D3EF78457665}" type="datetimeFigureOut">
               <a:rPr lang="zh-CN" altLang="en-US" smtClean="0"/>
               <a:t>2024/3/10</a:t>
             </a:fld>
@@ -1821,7 +1821,7 @@
           <p:cNvPr id="8" name="页脚占位符 7">
             <a:extLst>
               <a:ext uri="{FF2B5EF4-FFF2-40B4-BE49-F238E27FC236}">
-                <a16:creationId xmlns:a16="http://schemas.microsoft.com/office/drawing/2014/main" id="{5BFA0D95-8F13-DFCE-F2FD-D86123BF2C12}"/>
+                <a16:creationId xmlns:a16="http://schemas.microsoft.com/office/drawing/2014/main" id="{E5730AAA-3253-D354-53E3-923C0CF4648F}"/>
               </a:ext>
             </a:extLst>
           </p:cNvPr>
@@ -1846,7 +1846,7 @@
           <p:cNvPr id="9" name="灯片编号占位符 8">
             <a:extLst>
               <a:ext uri="{FF2B5EF4-FFF2-40B4-BE49-F238E27FC236}">
-                <a16:creationId xmlns:a16="http://schemas.microsoft.com/office/drawing/2014/main" id="{B028E210-B603-42C4-153E-DD07632303BA}"/>
+                <a16:creationId xmlns:a16="http://schemas.microsoft.com/office/drawing/2014/main" id="{23790311-A1C7-DB11-58B3-4120CBF89798}"/>
               </a:ext>
             </a:extLst>
           </p:cNvPr>
@@ -1862,7 +1862,7 @@
           <a:bodyPr/>
           <a:lstStyle/>
           <a:p>
-            <a:fld id="{5F9C533F-8BED-4C71-AEA1-61779DE3F552}" type="slidenum">
+            <a:fld id="{2D196957-601F-45A1-930A-DDD4461CD5C4}" type="slidenum">
               <a:rPr lang="zh-CN" altLang="en-US" smtClean="0"/>
               <a:t>‹#›</a:t>
             </a:fld>
@@ -1873,7 +1873,7 @@
     </p:spTree>
     <p:extLst>
       <p:ext uri="{BB962C8B-B14F-4D97-AF65-F5344CB8AC3E}">
-        <p14:creationId xmlns:p14="http://schemas.microsoft.com/office/powerpoint/2010/main" val="781858312"/>
+        <p14:creationId xmlns:p14="http://schemas.microsoft.com/office/powerpoint/2010/main" val="2823855896"/>
       </p:ext>
     </p:extLst>
   </p:cSld>
@@ -1905,7 +1905,7 @@
           <p:cNvPr id="2" name="标题 1">
             <a:extLst>
               <a:ext uri="{FF2B5EF4-FFF2-40B4-BE49-F238E27FC236}">
-                <a16:creationId xmlns:a16="http://schemas.microsoft.com/office/drawing/2014/main" id="{3AF9B850-08ED-9088-F7A5-393925CD0F15}"/>
+                <a16:creationId xmlns:a16="http://schemas.microsoft.com/office/drawing/2014/main" id="{890003E4-D747-2B8D-1505-91176677D8EA}"/>
               </a:ext>
             </a:extLst>
           </p:cNvPr>
@@ -1933,7 +1933,7 @@
           <p:cNvPr id="3" name="日期占位符 2">
             <a:extLst>
               <a:ext uri="{FF2B5EF4-FFF2-40B4-BE49-F238E27FC236}">
-                <a16:creationId xmlns:a16="http://schemas.microsoft.com/office/drawing/2014/main" id="{E0F302FA-CBBB-CBD4-C45D-EFEF63D42249}"/>
+                <a16:creationId xmlns:a16="http://schemas.microsoft.com/office/drawing/2014/main" id="{D8E6FF1F-0281-B928-3069-2D8DAB968F1A}"/>
               </a:ext>
             </a:extLst>
           </p:cNvPr>
@@ -1949,7 +1949,7 @@
           <a:bodyPr/>
           <a:lstStyle/>
           <a:p>
-            <a:fld id="{E3BAFE10-819B-4C93-AF92-938614B07C16}" type="datetimeFigureOut">
+            <a:fld id="{40EA1AB9-D907-4BE0-B47E-D3EF78457665}" type="datetimeFigureOut">
               <a:rPr lang="zh-CN" altLang="en-US" smtClean="0"/>
               <a:t>2024/3/10</a:t>
             </a:fld>
@@ -1962,7 +1962,7 @@
           <p:cNvPr id="4" name="页脚占位符 3">
             <a:extLst>
               <a:ext uri="{FF2B5EF4-FFF2-40B4-BE49-F238E27FC236}">
-                <a16:creationId xmlns:a16="http://schemas.microsoft.com/office/drawing/2014/main" id="{F5364631-54E2-5F5E-C9BB-28EA5284EE75}"/>
+                <a16:creationId xmlns:a16="http://schemas.microsoft.com/office/drawing/2014/main" id="{7461F945-780A-3BC2-AD23-51C210C86D36}"/>
               </a:ext>
             </a:extLst>
           </p:cNvPr>
@@ -1987,7 +1987,7 @@
           <p:cNvPr id="5" name="灯片编号占位符 4">
             <a:extLst>
               <a:ext uri="{FF2B5EF4-FFF2-40B4-BE49-F238E27FC236}">
-                <a16:creationId xmlns:a16="http://schemas.microsoft.com/office/drawing/2014/main" id="{3DC88C5B-54D6-444D-5A73-EB5FCD7F4AB0}"/>
+                <a16:creationId xmlns:a16="http://schemas.microsoft.com/office/drawing/2014/main" id="{C5FF5B17-5515-2F6D-D8A8-3D60C76E9635}"/>
               </a:ext>
             </a:extLst>
           </p:cNvPr>
@@ -2003,7 +2003,7 @@
           <a:bodyPr/>
           <a:lstStyle/>
           <a:p>
-            <a:fld id="{5F9C533F-8BED-4C71-AEA1-61779DE3F552}" type="slidenum">
+            <a:fld id="{2D196957-601F-45A1-930A-DDD4461CD5C4}" type="slidenum">
               <a:rPr lang="zh-CN" altLang="en-US" smtClean="0"/>
               <a:t>‹#›</a:t>
             </a:fld>
@@ -2014,7 +2014,7 @@
     </p:spTree>
     <p:extLst>
       <p:ext uri="{BB962C8B-B14F-4D97-AF65-F5344CB8AC3E}">
-        <p14:creationId xmlns:p14="http://schemas.microsoft.com/office/powerpoint/2010/main" val="1083932354"/>
+        <p14:creationId xmlns:p14="http://schemas.microsoft.com/office/powerpoint/2010/main" val="2702299832"/>
       </p:ext>
     </p:extLst>
   </p:cSld>
@@ -2046,7 +2046,7 @@
           <p:cNvPr id="2" name="日期占位符 1">
             <a:extLst>
               <a:ext uri="{FF2B5EF4-FFF2-40B4-BE49-F238E27FC236}">
-                <a16:creationId xmlns:a16="http://schemas.microsoft.com/office/drawing/2014/main" id="{4D185969-9155-C47D-BE27-813F5B808BF7}"/>
+                <a16:creationId xmlns:a16="http://schemas.microsoft.com/office/drawing/2014/main" id="{2825D47E-5B2A-75C9-C7BD-5B74F6190E5C}"/>
               </a:ext>
             </a:extLst>
           </p:cNvPr>
@@ -2062,7 +2062,7 @@
           <a:bodyPr/>
           <a:lstStyle/>
           <a:p>
-            <a:fld id="{E3BAFE10-819B-4C93-AF92-938614B07C16}" type="datetimeFigureOut">
+            <a:fld id="{40EA1AB9-D907-4BE0-B47E-D3EF78457665}" type="datetimeFigureOut">
               <a:rPr lang="zh-CN" altLang="en-US" smtClean="0"/>
               <a:t>2024/3/10</a:t>
             </a:fld>
@@ -2075,7 +2075,7 @@
           <p:cNvPr id="3" name="页脚占位符 2">
             <a:extLst>
               <a:ext uri="{FF2B5EF4-FFF2-40B4-BE49-F238E27FC236}">
-                <a16:creationId xmlns:a16="http://schemas.microsoft.com/office/drawing/2014/main" id="{A5B66A0A-7322-7901-4AC2-D17A79ACEC56}"/>
+                <a16:creationId xmlns:a16="http://schemas.microsoft.com/office/drawing/2014/main" id="{DE066A59-CC56-61ED-BC27-61776CC49F94}"/>
               </a:ext>
             </a:extLst>
           </p:cNvPr>
@@ -2100,7 +2100,7 @@
           <p:cNvPr id="4" name="灯片编号占位符 3">
             <a:extLst>
               <a:ext uri="{FF2B5EF4-FFF2-40B4-BE49-F238E27FC236}">
-                <a16:creationId xmlns:a16="http://schemas.microsoft.com/office/drawing/2014/main" id="{E4A5B7DA-92D7-3741-2BFA-18DC43E607B0}"/>
+                <a16:creationId xmlns:a16="http://schemas.microsoft.com/office/drawing/2014/main" id="{EC52B496-2D9A-CF67-7265-955654FAD639}"/>
               </a:ext>
             </a:extLst>
           </p:cNvPr>
@@ -2116,7 +2116,7 @@
           <a:bodyPr/>
           <a:lstStyle/>
           <a:p>
-            <a:fld id="{5F9C533F-8BED-4C71-AEA1-61779DE3F552}" type="slidenum">
+            <a:fld id="{2D196957-601F-45A1-930A-DDD4461CD5C4}" type="slidenum">
               <a:rPr lang="zh-CN" altLang="en-US" smtClean="0"/>
               <a:t>‹#›</a:t>
             </a:fld>
@@ -2127,7 +2127,7 @@
     </p:spTree>
     <p:extLst>
       <p:ext uri="{BB962C8B-B14F-4D97-AF65-F5344CB8AC3E}">
-        <p14:creationId xmlns:p14="http://schemas.microsoft.com/office/powerpoint/2010/main" val="2571925982"/>
+        <p14:creationId xmlns:p14="http://schemas.microsoft.com/office/powerpoint/2010/main" val="3136949897"/>
       </p:ext>
     </p:extLst>
   </p:cSld>
@@ -2159,7 +2159,7 @@
           <p:cNvPr id="2" name="标题 1">
             <a:extLst>
               <a:ext uri="{FF2B5EF4-FFF2-40B4-BE49-F238E27FC236}">
-                <a16:creationId xmlns:a16="http://schemas.microsoft.com/office/drawing/2014/main" id="{44B02CD3-A8ED-8EC2-AED7-F562DA8E51F3}"/>
+                <a16:creationId xmlns:a16="http://schemas.microsoft.com/office/drawing/2014/main" id="{7A958CA1-42BA-DE05-E03A-3EC2439B8BEC}"/>
               </a:ext>
             </a:extLst>
           </p:cNvPr>
@@ -2196,7 +2196,7 @@
           <p:cNvPr id="3" name="内容占位符 2">
             <a:extLst>
               <a:ext uri="{FF2B5EF4-FFF2-40B4-BE49-F238E27FC236}">
-                <a16:creationId xmlns:a16="http://schemas.microsoft.com/office/drawing/2014/main" id="{E4C5595E-4CC2-8D3A-CE8D-CBEF877B24A2}"/>
+                <a16:creationId xmlns:a16="http://schemas.microsoft.com/office/drawing/2014/main" id="{963DAF47-7740-F670-17C1-8DA7ACE5074F}"/>
               </a:ext>
             </a:extLst>
           </p:cNvPr>
@@ -2286,7 +2286,7 @@
           <p:cNvPr id="4" name="文本占位符 3">
             <a:extLst>
               <a:ext uri="{FF2B5EF4-FFF2-40B4-BE49-F238E27FC236}">
-                <a16:creationId xmlns:a16="http://schemas.microsoft.com/office/drawing/2014/main" id="{07CFFE78-295C-45BE-387E-E994FA7F21A1}"/>
+                <a16:creationId xmlns:a16="http://schemas.microsoft.com/office/drawing/2014/main" id="{7ACB5760-B2E6-1D45-A2F2-2D97E8DE267E}"/>
               </a:ext>
             </a:extLst>
           </p:cNvPr>
@@ -2357,7 +2357,7 @@
           <p:cNvPr id="5" name="日期占位符 4">
             <a:extLst>
               <a:ext uri="{FF2B5EF4-FFF2-40B4-BE49-F238E27FC236}">
-                <a16:creationId xmlns:a16="http://schemas.microsoft.com/office/drawing/2014/main" id="{CFF5AB8C-EDFF-4519-15EA-68F71B30E7C1}"/>
+                <a16:creationId xmlns:a16="http://schemas.microsoft.com/office/drawing/2014/main" id="{9ADB3864-CC9F-BEF0-5536-912B9C32FEB6}"/>
               </a:ext>
             </a:extLst>
           </p:cNvPr>
@@ -2373,7 +2373,7 @@
           <a:bodyPr/>
           <a:lstStyle/>
           <a:p>
-            <a:fld id="{E3BAFE10-819B-4C93-AF92-938614B07C16}" type="datetimeFigureOut">
+            <a:fld id="{40EA1AB9-D907-4BE0-B47E-D3EF78457665}" type="datetimeFigureOut">
               <a:rPr lang="zh-CN" altLang="en-US" smtClean="0"/>
               <a:t>2024/3/10</a:t>
             </a:fld>
@@ -2386,7 +2386,7 @@
           <p:cNvPr id="6" name="页脚占位符 5">
             <a:extLst>
               <a:ext uri="{FF2B5EF4-FFF2-40B4-BE49-F238E27FC236}">
-                <a16:creationId xmlns:a16="http://schemas.microsoft.com/office/drawing/2014/main" id="{10FE569E-3F35-5DB9-9666-2537B812F9B0}"/>
+                <a16:creationId xmlns:a16="http://schemas.microsoft.com/office/drawing/2014/main" id="{E3498703-BAB6-6CDF-A34E-B77784D2EFBF}"/>
               </a:ext>
             </a:extLst>
           </p:cNvPr>
@@ -2411,7 +2411,7 @@
           <p:cNvPr id="7" name="灯片编号占位符 6">
             <a:extLst>
               <a:ext uri="{FF2B5EF4-FFF2-40B4-BE49-F238E27FC236}">
-                <a16:creationId xmlns:a16="http://schemas.microsoft.com/office/drawing/2014/main" id="{2C7686AF-326D-ADD3-F0BE-CF299C52340A}"/>
+                <a16:creationId xmlns:a16="http://schemas.microsoft.com/office/drawing/2014/main" id="{AB3312A9-D205-5DE9-5E65-4B83EC293881}"/>
               </a:ext>
             </a:extLst>
           </p:cNvPr>
@@ -2427,7 +2427,7 @@
           <a:bodyPr/>
           <a:lstStyle/>
           <a:p>
-            <a:fld id="{5F9C533F-8BED-4C71-AEA1-61779DE3F552}" type="slidenum">
+            <a:fld id="{2D196957-601F-45A1-930A-DDD4461CD5C4}" type="slidenum">
               <a:rPr lang="zh-CN" altLang="en-US" smtClean="0"/>
               <a:t>‹#›</a:t>
             </a:fld>
@@ -2438,7 +2438,7 @@
     </p:spTree>
     <p:extLst>
       <p:ext uri="{BB962C8B-B14F-4D97-AF65-F5344CB8AC3E}">
-        <p14:creationId xmlns:p14="http://schemas.microsoft.com/office/powerpoint/2010/main" val="3667309397"/>
+        <p14:creationId xmlns:p14="http://schemas.microsoft.com/office/powerpoint/2010/main" val="1317218785"/>
       </p:ext>
     </p:extLst>
   </p:cSld>
@@ -2470,7 +2470,7 @@
           <p:cNvPr id="2" name="标题 1">
             <a:extLst>
               <a:ext uri="{FF2B5EF4-FFF2-40B4-BE49-F238E27FC236}">
-                <a16:creationId xmlns:a16="http://schemas.microsoft.com/office/drawing/2014/main" id="{CC83301C-8D3F-64D4-6F0E-FC2F152B05BE}"/>
+                <a16:creationId xmlns:a16="http://schemas.microsoft.com/office/drawing/2014/main" id="{33FD70F6-E967-7645-53F8-7629D8A6D1B7}"/>
               </a:ext>
             </a:extLst>
           </p:cNvPr>
@@ -2507,7 +2507,7 @@
           <p:cNvPr id="3" name="图片占位符 2">
             <a:extLst>
               <a:ext uri="{FF2B5EF4-FFF2-40B4-BE49-F238E27FC236}">
-                <a16:creationId xmlns:a16="http://schemas.microsoft.com/office/drawing/2014/main" id="{094756F7-98B4-6D17-BE2E-6357838EA0AF}"/>
+                <a16:creationId xmlns:a16="http://schemas.microsoft.com/office/drawing/2014/main" id="{FC0E01A9-F3F7-FE51-ED09-D45238107CCC}"/>
               </a:ext>
             </a:extLst>
           </p:cNvPr>
@@ -2574,7 +2574,7 @@
           <p:cNvPr id="4" name="文本占位符 3">
             <a:extLst>
               <a:ext uri="{FF2B5EF4-FFF2-40B4-BE49-F238E27FC236}">
-                <a16:creationId xmlns:a16="http://schemas.microsoft.com/office/drawing/2014/main" id="{426D4671-93EB-E4DB-C656-C0723871E47F}"/>
+                <a16:creationId xmlns:a16="http://schemas.microsoft.com/office/drawing/2014/main" id="{136C95D6-EFA2-8190-A099-4A321D3ECF85}"/>
               </a:ext>
             </a:extLst>
           </p:cNvPr>
@@ -2645,7 +2645,7 @@
           <p:cNvPr id="5" name="日期占位符 4">
             <a:extLst>
               <a:ext uri="{FF2B5EF4-FFF2-40B4-BE49-F238E27FC236}">
-                <a16:creationId xmlns:a16="http://schemas.microsoft.com/office/drawing/2014/main" id="{6BE1A843-1C15-2A81-837F-4C0903656D1F}"/>
+                <a16:creationId xmlns:a16="http://schemas.microsoft.com/office/drawing/2014/main" id="{5D85FD6D-3CE9-E641-5919-14691A02D81B}"/>
               </a:ext>
             </a:extLst>
           </p:cNvPr>
@@ -2661,7 +2661,7 @@
           <a:bodyPr/>
           <a:lstStyle/>
           <a:p>
-            <a:fld id="{E3BAFE10-819B-4C93-AF92-938614B07C16}" type="datetimeFigureOut">
+            <a:fld id="{40EA1AB9-D907-4BE0-B47E-D3EF78457665}" type="datetimeFigureOut">
               <a:rPr lang="zh-CN" altLang="en-US" smtClean="0"/>
               <a:t>2024/3/10</a:t>
             </a:fld>
@@ -2674,7 +2674,7 @@
           <p:cNvPr id="6" name="页脚占位符 5">
             <a:extLst>
               <a:ext uri="{FF2B5EF4-FFF2-40B4-BE49-F238E27FC236}">
-                <a16:creationId xmlns:a16="http://schemas.microsoft.com/office/drawing/2014/main" id="{7FDA885C-AE86-4E1D-8FFA-4EF568F776C9}"/>
+                <a16:creationId xmlns:a16="http://schemas.microsoft.com/office/drawing/2014/main" id="{19F09707-4D30-FD3B-87F1-5C4FCF71E851}"/>
               </a:ext>
             </a:extLst>
           </p:cNvPr>
@@ -2699,7 +2699,7 @@
           <p:cNvPr id="7" name="灯片编号占位符 6">
             <a:extLst>
               <a:ext uri="{FF2B5EF4-FFF2-40B4-BE49-F238E27FC236}">
-                <a16:creationId xmlns:a16="http://schemas.microsoft.com/office/drawing/2014/main" id="{8F783BDA-8336-B41E-E94D-78144D66DB40}"/>
+                <a16:creationId xmlns:a16="http://schemas.microsoft.com/office/drawing/2014/main" id="{6B7B6B35-0949-BB3E-AB54-D3F198D8DACD}"/>
               </a:ext>
             </a:extLst>
           </p:cNvPr>
@@ -2715,7 +2715,7 @@
           <a:bodyPr/>
           <a:lstStyle/>
           <a:p>
-            <a:fld id="{5F9C533F-8BED-4C71-AEA1-61779DE3F552}" type="slidenum">
+            <a:fld id="{2D196957-601F-45A1-930A-DDD4461CD5C4}" type="slidenum">
               <a:rPr lang="zh-CN" altLang="en-US" smtClean="0"/>
               <a:t>‹#›</a:t>
             </a:fld>
@@ -2726,7 +2726,7 @@
     </p:spTree>
     <p:extLst>
       <p:ext uri="{BB962C8B-B14F-4D97-AF65-F5344CB8AC3E}">
-        <p14:creationId xmlns:p14="http://schemas.microsoft.com/office/powerpoint/2010/main" val="3070390811"/>
+        <p14:creationId xmlns:p14="http://schemas.microsoft.com/office/powerpoint/2010/main" val="6489084"/>
       </p:ext>
     </p:extLst>
   </p:cSld>
@@ -2763,7 +2763,7 @@
           <p:cNvPr id="2" name="标题占位符 1">
             <a:extLst>
               <a:ext uri="{FF2B5EF4-FFF2-40B4-BE49-F238E27FC236}">
-                <a16:creationId xmlns:a16="http://schemas.microsoft.com/office/drawing/2014/main" id="{0137908E-4ECC-8057-BD27-DF8932023DC2}"/>
+                <a16:creationId xmlns:a16="http://schemas.microsoft.com/office/drawing/2014/main" id="{07DC552C-A9B2-0D63-FA8A-06B268B822F6}"/>
               </a:ext>
             </a:extLst>
           </p:cNvPr>
@@ -2801,7 +2801,7 @@
           <p:cNvPr id="3" name="文本占位符 2">
             <a:extLst>
               <a:ext uri="{FF2B5EF4-FFF2-40B4-BE49-F238E27FC236}">
-                <a16:creationId xmlns:a16="http://schemas.microsoft.com/office/drawing/2014/main" id="{F9525A85-F662-9126-6F03-EA87DDB66F9C}"/>
+                <a16:creationId xmlns:a16="http://schemas.microsoft.com/office/drawing/2014/main" id="{ABD46DE9-F091-CB23-8BDD-BE48A18A5DDC}"/>
               </a:ext>
             </a:extLst>
           </p:cNvPr>
@@ -2868,7 +2868,7 @@
           <p:cNvPr id="4" name="日期占位符 3">
             <a:extLst>
               <a:ext uri="{FF2B5EF4-FFF2-40B4-BE49-F238E27FC236}">
-                <a16:creationId xmlns:a16="http://schemas.microsoft.com/office/drawing/2014/main" id="{B7D904A1-171B-52A0-1404-818A4732A548}"/>
+                <a16:creationId xmlns:a16="http://schemas.microsoft.com/office/drawing/2014/main" id="{010CF616-57DD-5998-061E-C746FF6C6799}"/>
               </a:ext>
             </a:extLst>
           </p:cNvPr>
@@ -2902,7 +2902,7 @@
             </a:lvl1pPr>
           </a:lstStyle>
           <a:p>
-            <a:fld id="{E3BAFE10-819B-4C93-AF92-938614B07C16}" type="datetimeFigureOut">
+            <a:fld id="{40EA1AB9-D907-4BE0-B47E-D3EF78457665}" type="datetimeFigureOut">
               <a:rPr lang="zh-CN" altLang="en-US" smtClean="0"/>
               <a:t>2024/3/10</a:t>
             </a:fld>
@@ -2915,7 +2915,7 @@
           <p:cNvPr id="5" name="页脚占位符 4">
             <a:extLst>
               <a:ext uri="{FF2B5EF4-FFF2-40B4-BE49-F238E27FC236}">
-                <a16:creationId xmlns:a16="http://schemas.microsoft.com/office/drawing/2014/main" id="{BCFDF281-C814-BED6-60AF-AEF067BC892D}"/>
+                <a16:creationId xmlns:a16="http://schemas.microsoft.com/office/drawing/2014/main" id="{C6F0EE21-D1E1-54D5-4FF8-AF8BE3A32B37}"/>
               </a:ext>
             </a:extLst>
           </p:cNvPr>
@@ -2958,7 +2958,7 @@
           <p:cNvPr id="6" name="灯片编号占位符 5">
             <a:extLst>
               <a:ext uri="{FF2B5EF4-FFF2-40B4-BE49-F238E27FC236}">
-                <a16:creationId xmlns:a16="http://schemas.microsoft.com/office/drawing/2014/main" id="{CAACB8A6-168C-97C1-962F-B189083C8059}"/>
+                <a16:creationId xmlns:a16="http://schemas.microsoft.com/office/drawing/2014/main" id="{E4D6A94F-9072-2531-C96A-0A5215DC2FC9}"/>
               </a:ext>
             </a:extLst>
           </p:cNvPr>
@@ -2992,7 +2992,7 @@
             </a:lvl1pPr>
           </a:lstStyle>
           <a:p>
-            <a:fld id="{5F9C533F-8BED-4C71-AEA1-61779DE3F552}" type="slidenum">
+            <a:fld id="{2D196957-601F-45A1-930A-DDD4461CD5C4}" type="slidenum">
               <a:rPr lang="zh-CN" altLang="en-US" smtClean="0"/>
               <a:t>‹#›</a:t>
             </a:fld>
@@ -3003,7 +3003,7 @@
     </p:spTree>
     <p:extLst>
       <p:ext uri="{BB962C8B-B14F-4D97-AF65-F5344CB8AC3E}">
-        <p14:creationId xmlns:p14="http://schemas.microsoft.com/office/powerpoint/2010/main" val="1453216046"/>
+        <p14:creationId xmlns:p14="http://schemas.microsoft.com/office/powerpoint/2010/main" val="408571880"/>
       </p:ext>
     </p:extLst>
   </p:cSld>
